--- a/materials/slides/ch05.pptx
+++ b/materials/slides/ch05.pptx
@@ -3007,18 +3007,13 @@
             <a:buChar char="•"/>
           </a:pPr>
           <a:r>
-            <a:rPr lang="zh-CN" sz="1800" b="1" kern="1200" dirty="0"/>
-            <a:t>分类</a:t>
+            <a:rPr lang="zh-CN" altLang="en-US" sz="1800" b="1" kern="1200" dirty="0"/>
+            <a:t>分类：</a:t>
           </a:r>
           <a:r>
-            <a:rPr lang="zh-CN" altLang="en-US" sz="1800" b="1" kern="1200" dirty="0"/>
-            <a:t>：</a:t>
-          </a:r>
-          <a:r>
-            <a:rPr lang="zh-CN" sz="1800" kern="1200" dirty="0"/>
+            <a:rPr lang="zh-CN" altLang="en-US" sz="1800" kern="1200" dirty="0"/>
             <a:t>样本属于两个或多个类别</a:t>
           </a:r>
-          <a:endParaRPr lang="zh-CN" altLang="en-US" sz="1800" kern="1200" dirty="0"/>
         </a:p>
         <a:p>
           <a:pPr marL="171450" lvl="1" indent="-171450" algn="l" defTabSz="800100">
@@ -3034,15 +3029,11 @@
             <a:buChar char="•"/>
           </a:pPr>
           <a:r>
-            <a:rPr lang="zh-CN" sz="1800" b="1" kern="1200" dirty="0"/>
-            <a:t>回归</a:t>
+            <a:rPr lang="zh-CN" altLang="en-US" sz="1800" b="1" kern="1200" dirty="0"/>
+            <a:t>回归：</a:t>
           </a:r>
           <a:r>
-            <a:rPr lang="zh-CN" altLang="en-US" sz="1800" b="1" kern="1200" dirty="0"/>
-            <a:t>：</a:t>
-          </a:r>
-          <a:r>
-            <a:rPr lang="zh-CN" sz="1800" kern="1200" dirty="0"/>
+            <a:rPr lang="zh-CN" altLang="en-US" sz="1800" kern="1200" dirty="0"/>
             <a:t>输出是一个或多个连续的变量</a:t>
           </a:r>
         </a:p>
@@ -3119,7 +3110,7 @@
             <a:buNone/>
           </a:pPr>
           <a:r>
-            <a:rPr lang="zh-CN" sz="3800" b="1" kern="1200" dirty="0"/>
+            <a:rPr lang="zh-CN" altLang="en-US" sz="3800" b="1" kern="1200" dirty="0"/>
             <a:t>有监督学习</a:t>
           </a:r>
           <a:endParaRPr lang="zh-CN" altLang="en-US" sz="3800" kern="1200" dirty="0"/>
@@ -3288,7 +3279,7 @@
             <a:buNone/>
           </a:pPr>
           <a:r>
-            <a:rPr lang="zh-CN" sz="3800" b="1" kern="1200" dirty="0"/>
+            <a:rPr lang="zh-CN" altLang="en-US" sz="3800" b="1" kern="1200" dirty="0"/>
             <a:t>无监督学习</a:t>
           </a:r>
           <a:endParaRPr lang="zh-CN" altLang="en-US" sz="3800" kern="1200" dirty="0"/>
@@ -8556,7 +8547,6 @@
           <a:ln>
             <a:noFill/>
           </a:ln>
-          <a:extLst/>
         </p:spPr>
         <p:txBody>
           <a:bodyPr>
@@ -8776,7 +8766,6 @@
           <a:ln>
             <a:noFill/>
           </a:ln>
-          <a:extLst/>
         </p:spPr>
         <p:txBody>
           <a:bodyPr wrap="none" anchor="ctr"/>
@@ -8928,7 +8917,6 @@
           <a:ln>
             <a:noFill/>
           </a:ln>
-          <a:extLst/>
         </p:spPr>
         <p:txBody>
           <a:bodyPr wrap="none" anchor="ctr"/>
@@ -9076,7 +9064,6 @@
           <a:ln>
             <a:noFill/>
           </a:ln>
-          <a:extLst/>
         </p:spPr>
         <p:txBody>
           <a:bodyPr/>
@@ -10629,7 +10616,7 @@
               <a:pPr>
                 <a:defRPr/>
               </a:pPr>
-              <a:t>2018/3/28</a:t>
+              <a:t>2019/7/16</a:t>
             </a:fld>
             <a:endParaRPr lang="zh-CN" altLang="en-US"/>
           </a:p>
@@ -10948,7 +10935,7 @@
               <a:pPr>
                 <a:defRPr/>
               </a:pPr>
-              <a:t>2018/3/28</a:t>
+              <a:t>2019/7/16</a:t>
             </a:fld>
             <a:endParaRPr lang="zh-CN" altLang="en-US"/>
           </a:p>
@@ -25008,7 +24995,6 @@
             <a:noFill/>
           </a:ln>
           <a:effectLst/>
-          <a:extLst/>
         </p:spPr>
         <p:txBody>
           <a:bodyPr wrap="none" anchor="ctr"/>
@@ -25504,55 +25490,62 @@
           <a:lstStyle/>
           <a:p>
             <a:r>
-              <a:rPr lang="zh-CN" altLang="zh-CN"/>
+              <a:rPr lang="zh-CN" altLang="zh-CN" dirty="0"/>
               <a:t>模块是最高级别的程序组织单元，它能够将程序代码和数据封装以便重用。</a:t>
             </a:r>
-            <a:endParaRPr lang="en-US" altLang="zh-CN"/>
-          </a:p>
-          <a:p>
-            <a:r>
-              <a:rPr lang="zh-CN" altLang="zh-CN"/>
+            <a:endParaRPr lang="en-US" altLang="zh-CN" dirty="0"/>
+          </a:p>
+          <a:p>
+            <a:r>
+              <a:rPr lang="zh-CN" altLang="zh-CN" dirty="0"/>
               <a:t>模块往往对应了</a:t>
             </a:r>
             <a:r>
+              <a:rPr lang="en-US" altLang="zh-CN" dirty="0"/>
+              <a:t>Python</a:t>
+            </a:r>
+            <a:r>
+              <a:rPr lang="zh-CN" altLang="zh-CN" dirty="0"/>
+              <a:t>的脚本文件（</a:t>
+            </a:r>
+            <a:r>
+              <a:rPr lang="en-US" altLang="zh-CN" dirty="0"/>
+              <a:t>.</a:t>
+            </a:r>
+            <a:r>
+              <a:rPr lang="en-US" altLang="zh-CN" dirty="0" err="1"/>
+              <a:t>py</a:t>
+            </a:r>
+            <a:r>
+              <a:rPr lang="zh-CN" altLang="zh-CN" dirty="0"/>
+              <a:t>），包含了所有编写该模块的程序员定义的函数和变量。</a:t>
+            </a:r>
+            <a:endParaRPr lang="en-US" altLang="zh-CN" dirty="0"/>
+          </a:p>
+          <a:p>
+            <a:r>
+              <a:rPr lang="zh-CN" altLang="zh-CN" dirty="0"/>
+              <a:t>模块可以被别的程序导入，以使用该模块的函数等功能，这也是使用</a:t>
+            </a:r>
+            <a:r>
+              <a:rPr lang="en-US" altLang="zh-CN" dirty="0"/>
+              <a:t>Python</a:t>
+            </a:r>
+            <a:r>
+              <a:rPr lang="zh-CN" altLang="zh-CN" dirty="0"/>
+              <a:t>标准库的方法。</a:t>
+            </a:r>
+            <a:r>
               <a:rPr lang="en-US" altLang="zh-CN"/>
-              <a:t>Python</a:t>
-            </a:r>
-            <a:r>
-              <a:rPr lang="zh-CN" altLang="zh-CN"/>
-              <a:t>的脚本文件（</a:t>
-            </a:r>
-            <a:r>
-              <a:rPr lang="en-US" altLang="zh-CN"/>
-              <a:t>.py</a:t>
-            </a:r>
-            <a:r>
-              <a:rPr lang="zh-CN" altLang="zh-CN"/>
-              <a:t>），包含了所有编写该模块的程序员定义的函数和变量。</a:t>
-            </a:r>
-            <a:endParaRPr lang="en-US" altLang="zh-CN"/>
-          </a:p>
-          <a:p>
-            <a:r>
-              <a:rPr lang="zh-CN" altLang="zh-CN"/>
-              <a:t>模块可以被别的程序导入，以使用该模块的函数等功能，这也是使用</a:t>
-            </a:r>
-            <a:r>
-              <a:rPr lang="en-US" altLang="zh-CN"/>
-              <a:t>Python</a:t>
-            </a:r>
-            <a:r>
-              <a:rPr lang="zh-CN" altLang="zh-CN"/>
-              <a:t>标准库的方法。</a:t>
-            </a:r>
-            <a:endParaRPr lang="en-US" altLang="zh-CN"/>
-          </a:p>
-          <a:p>
-            <a:r>
-              <a:rPr lang="zh-CN" altLang="zh-CN"/>
+              <a:t> </a:t>
+            </a:r>
+          </a:p>
+          <a:p>
+            <a:r>
+              <a:rPr lang="zh-CN" altLang="zh-CN" dirty="0"/>
               <a:t>导入模块后，在模块文件定义的所有变量名都会以被导入的模块对象的成员的形式被调用。换言之，模块文件的全局作用域变成了模块对象的局部作用域。</a:t>
             </a:r>
-            <a:endParaRPr lang="zh-CN" altLang="en-US"/>
+            <a:endParaRPr lang="zh-CN" altLang="en-US" dirty="0"/>
           </a:p>
         </p:txBody>
       </p:sp>

--- a/materials/slides/ch05.pptx
+++ b/materials/slides/ch05.pptx
@@ -3007,13 +3007,18 @@
             <a:buChar char="•"/>
           </a:pPr>
           <a:r>
-            <a:rPr lang="zh-CN" altLang="en-US" sz="1800" b="1" kern="1200" dirty="0"/>
-            <a:t>分类：</a:t>
+            <a:rPr lang="zh-CN" sz="1800" b="1" kern="1200" dirty="0"/>
+            <a:t>分类</a:t>
           </a:r>
           <a:r>
-            <a:rPr lang="zh-CN" altLang="en-US" sz="1800" kern="1200" dirty="0"/>
+            <a:rPr lang="zh-CN" altLang="en-US" sz="1800" b="1" kern="1200" dirty="0"/>
+            <a:t>：</a:t>
+          </a:r>
+          <a:r>
+            <a:rPr lang="zh-CN" sz="1800" kern="1200" dirty="0"/>
             <a:t>样本属于两个或多个类别</a:t>
           </a:r>
+          <a:endParaRPr lang="zh-CN" altLang="en-US" sz="1800" kern="1200" dirty="0"/>
         </a:p>
         <a:p>
           <a:pPr marL="171450" lvl="1" indent="-171450" algn="l" defTabSz="800100">
@@ -3029,11 +3034,15 @@
             <a:buChar char="•"/>
           </a:pPr>
           <a:r>
-            <a:rPr lang="zh-CN" altLang="en-US" sz="1800" b="1" kern="1200" dirty="0"/>
-            <a:t>回归：</a:t>
+            <a:rPr lang="zh-CN" sz="1800" b="1" kern="1200" dirty="0"/>
+            <a:t>回归</a:t>
           </a:r>
           <a:r>
-            <a:rPr lang="zh-CN" altLang="en-US" sz="1800" kern="1200" dirty="0"/>
+            <a:rPr lang="zh-CN" altLang="en-US" sz="1800" b="1" kern="1200" dirty="0"/>
+            <a:t>：</a:t>
+          </a:r>
+          <a:r>
+            <a:rPr lang="zh-CN" sz="1800" kern="1200" dirty="0"/>
             <a:t>输出是一个或多个连续的变量</a:t>
           </a:r>
         </a:p>
@@ -3110,7 +3119,7 @@
             <a:buNone/>
           </a:pPr>
           <a:r>
-            <a:rPr lang="zh-CN" altLang="en-US" sz="3800" b="1" kern="1200" dirty="0"/>
+            <a:rPr lang="zh-CN" sz="3800" b="1" kern="1200" dirty="0"/>
             <a:t>有监督学习</a:t>
           </a:r>
           <a:endParaRPr lang="zh-CN" altLang="en-US" sz="3800" kern="1200" dirty="0"/>
@@ -3279,7 +3288,7 @@
             <a:buNone/>
           </a:pPr>
           <a:r>
-            <a:rPr lang="zh-CN" altLang="en-US" sz="3800" b="1" kern="1200" dirty="0"/>
+            <a:rPr lang="zh-CN" sz="3800" b="1" kern="1200" dirty="0"/>
             <a:t>无监督学习</a:t>
           </a:r>
           <a:endParaRPr lang="zh-CN" altLang="en-US" sz="3800" kern="1200" dirty="0"/>
@@ -8547,6 +8556,7 @@
           <a:ln>
             <a:noFill/>
           </a:ln>
+          <a:extLst/>
         </p:spPr>
         <p:txBody>
           <a:bodyPr>
@@ -8766,6 +8776,7 @@
           <a:ln>
             <a:noFill/>
           </a:ln>
+          <a:extLst/>
         </p:spPr>
         <p:txBody>
           <a:bodyPr wrap="none" anchor="ctr"/>
@@ -8917,6 +8928,7 @@
           <a:ln>
             <a:noFill/>
           </a:ln>
+          <a:extLst/>
         </p:spPr>
         <p:txBody>
           <a:bodyPr wrap="none" anchor="ctr"/>
@@ -9064,6 +9076,7 @@
           <a:ln>
             <a:noFill/>
           </a:ln>
+          <a:extLst/>
         </p:spPr>
         <p:txBody>
           <a:bodyPr/>
@@ -10616,7 +10629,7 @@
               <a:pPr>
                 <a:defRPr/>
               </a:pPr>
-              <a:t>2019/7/16</a:t>
+              <a:t>2018/3/28</a:t>
             </a:fld>
             <a:endParaRPr lang="zh-CN" altLang="en-US"/>
           </a:p>
@@ -10935,7 +10948,7 @@
               <a:pPr>
                 <a:defRPr/>
               </a:pPr>
-              <a:t>2019/7/16</a:t>
+              <a:t>2018/3/28</a:t>
             </a:fld>
             <a:endParaRPr lang="zh-CN" altLang="en-US"/>
           </a:p>
@@ -24995,6 +25008,7 @@
             <a:noFill/>
           </a:ln>
           <a:effectLst/>
+          <a:extLst/>
         </p:spPr>
         <p:txBody>
           <a:bodyPr wrap="none" anchor="ctr"/>
@@ -25490,62 +25504,55 @@
           <a:lstStyle/>
           <a:p>
             <a:r>
-              <a:rPr lang="zh-CN" altLang="zh-CN" dirty="0"/>
+              <a:rPr lang="zh-CN" altLang="zh-CN"/>
               <a:t>模块是最高级别的程序组织单元，它能够将程序代码和数据封装以便重用。</a:t>
             </a:r>
-            <a:endParaRPr lang="en-US" altLang="zh-CN" dirty="0"/>
-          </a:p>
-          <a:p>
-            <a:r>
-              <a:rPr lang="zh-CN" altLang="zh-CN" dirty="0"/>
+            <a:endParaRPr lang="en-US" altLang="zh-CN"/>
+          </a:p>
+          <a:p>
+            <a:r>
+              <a:rPr lang="zh-CN" altLang="zh-CN"/>
               <a:t>模块往往对应了</a:t>
             </a:r>
             <a:r>
-              <a:rPr lang="en-US" altLang="zh-CN" dirty="0"/>
+              <a:rPr lang="en-US" altLang="zh-CN"/>
               <a:t>Python</a:t>
             </a:r>
             <a:r>
-              <a:rPr lang="zh-CN" altLang="zh-CN" dirty="0"/>
+              <a:rPr lang="zh-CN" altLang="zh-CN"/>
               <a:t>的脚本文件（</a:t>
             </a:r>
             <a:r>
-              <a:rPr lang="en-US" altLang="zh-CN" dirty="0"/>
-              <a:t>.</a:t>
-            </a:r>
-            <a:r>
-              <a:rPr lang="en-US" altLang="zh-CN" dirty="0" err="1"/>
-              <a:t>py</a:t>
-            </a:r>
-            <a:r>
-              <a:rPr lang="zh-CN" altLang="zh-CN" dirty="0"/>
+              <a:rPr lang="en-US" altLang="zh-CN"/>
+              <a:t>.py</a:t>
+            </a:r>
+            <a:r>
+              <a:rPr lang="zh-CN" altLang="zh-CN"/>
               <a:t>），包含了所有编写该模块的程序员定义的函数和变量。</a:t>
             </a:r>
-            <a:endParaRPr lang="en-US" altLang="zh-CN" dirty="0"/>
-          </a:p>
-          <a:p>
-            <a:r>
-              <a:rPr lang="zh-CN" altLang="zh-CN" dirty="0"/>
+            <a:endParaRPr lang="en-US" altLang="zh-CN"/>
+          </a:p>
+          <a:p>
+            <a:r>
+              <a:rPr lang="zh-CN" altLang="zh-CN"/>
               <a:t>模块可以被别的程序导入，以使用该模块的函数等功能，这也是使用</a:t>
             </a:r>
             <a:r>
-              <a:rPr lang="en-US" altLang="zh-CN" dirty="0"/>
+              <a:rPr lang="en-US" altLang="zh-CN"/>
               <a:t>Python</a:t>
             </a:r>
             <a:r>
-              <a:rPr lang="zh-CN" altLang="zh-CN" dirty="0"/>
+              <a:rPr lang="zh-CN" altLang="zh-CN"/>
               <a:t>标准库的方法。</a:t>
             </a:r>
-            <a:r>
-              <a:rPr lang="en-US" altLang="zh-CN"/>
-              <a:t> </a:t>
-            </a:r>
-          </a:p>
-          <a:p>
-            <a:r>
-              <a:rPr lang="zh-CN" altLang="zh-CN" dirty="0"/>
+            <a:endParaRPr lang="en-US" altLang="zh-CN"/>
+          </a:p>
+          <a:p>
+            <a:r>
+              <a:rPr lang="zh-CN" altLang="zh-CN"/>
               <a:t>导入模块后，在模块文件定义的所有变量名都会以被导入的模块对象的成员的形式被调用。换言之，模块文件的全局作用域变成了模块对象的局部作用域。</a:t>
             </a:r>
-            <a:endParaRPr lang="zh-CN" altLang="en-US" dirty="0"/>
+            <a:endParaRPr lang="zh-CN" altLang="en-US"/>
           </a:p>
         </p:txBody>
       </p:sp>
